--- a/final-pitch.pptx
+++ b/final-pitch.pptx
@@ -8159,6 +8159,58 @@
           </a:bodyPr>
           <a:lstStyle/>
           <a:p>
+            <a:pPr lvl="0">
+              <a:buClr>
+                <a:srgbClr val="000000"/>
+              </a:buClr>
+            </a:pPr>
+            <a:r>
+              <a:rPr lang="en" dirty="0">
+                <a:solidFill>
+                  <a:srgbClr val="000000"/>
+                </a:solidFill>
+              </a:rPr>
+              <a:t>The sample used for creating this model was the film’s launched between the 1st of january and the 31th of march </a:t>
+            </a:r>
+            <a:r>
+              <a:rPr lang="en" dirty="0" smtClean="0">
+                <a:solidFill>
+                  <a:srgbClr val="000000"/>
+                </a:solidFill>
+              </a:rPr>
+              <a:t>2019 </a:t>
+            </a:r>
+            <a:r>
+              <a:rPr lang="en" sz="1600" dirty="0" smtClean="0">
+                <a:solidFill>
+                  <a:srgbClr val="000000"/>
+                </a:solidFill>
+              </a:rPr>
+              <a:t>(</a:t>
+            </a:r>
+            <a:r>
+              <a:rPr lang="en-US" sz="1200" dirty="0">
+                <a:solidFill>
+                  <a:schemeClr val="tx1"/>
+                </a:solidFill>
+              </a:rPr>
+              <a:t>79 films after cleansing for Portugal and 63 for UK</a:t>
+            </a:r>
+            <a:r>
+              <a:rPr lang="en" sz="1600" dirty="0" smtClean="0">
+                <a:solidFill>
+                  <a:srgbClr val="000000"/>
+                </a:solidFill>
+              </a:rPr>
+              <a:t>)</a:t>
+            </a:r>
+            <a:endParaRPr sz="1600" dirty="0">
+              <a:solidFill>
+                <a:srgbClr val="000000"/>
+              </a:solidFill>
+            </a:endParaRPr>
+          </a:p>
+          <a:p>
             <a:pPr marL="457200" lvl="0" indent="-342900" algn="l" rtl="0">
               <a:spcBef>
                 <a:spcPts val="0"/>
@@ -8173,22 +8225,14 @@
               <a:buChar char="●"/>
             </a:pPr>
             <a:r>
-              <a:rPr lang="en">
+              <a:rPr lang="en" dirty="0">
                 <a:solidFill>
                   <a:srgbClr val="000000"/>
                 </a:solidFill>
               </a:rPr>
-              <a:t>The sample used for creating this model was the film’s launched between the 1st of january and the 31th of march 2019, in Portugal </a:t>
+              <a:t>It was taken into account the genre of the film and it’s production size as well</a:t>
             </a:r>
-            <a:r>
-              <a:rPr lang="en" sz="1600">
-                <a:solidFill>
-                  <a:srgbClr val="000000"/>
-                </a:solidFill>
-              </a:rPr>
-              <a:t>(79 films after cleansing)</a:t>
-            </a:r>
-            <a:endParaRPr sz="1600">
+            <a:endParaRPr dirty="0">
               <a:solidFill>
                 <a:srgbClr val="000000"/>
               </a:solidFill>
@@ -8209,14 +8253,22 @@
               <a:buChar char="●"/>
             </a:pPr>
             <a:r>
-              <a:rPr lang="en">
+              <a:rPr lang="en" dirty="0">
                 <a:solidFill>
                   <a:srgbClr val="000000"/>
                 </a:solidFill>
               </a:rPr>
-              <a:t>It was taken into account the genre of the film and it’s production size as well</a:t>
+              <a:t>Our target was the ‘Opening Percentage’ </a:t>
             </a:r>
-            <a:endParaRPr>
+            <a:r>
+              <a:rPr lang="en" sz="1200" dirty="0">
+                <a:solidFill>
+                  <a:srgbClr val="000000"/>
+                </a:solidFill>
+              </a:rPr>
+              <a:t>(opening_weekend_revenue/total_box_office)*100</a:t>
+            </a:r>
+            <a:endParaRPr sz="1200" dirty="0">
               <a:solidFill>
                 <a:srgbClr val="000000"/>
               </a:solidFill>
@@ -8237,50 +8289,14 @@
               <a:buChar char="●"/>
             </a:pPr>
             <a:r>
-              <a:rPr lang="en">
-                <a:solidFill>
-                  <a:srgbClr val="000000"/>
-                </a:solidFill>
-              </a:rPr>
-              <a:t>Our target was the ‘Opening Percentage’ </a:t>
-            </a:r>
-            <a:r>
-              <a:rPr lang="en" sz="1200">
-                <a:solidFill>
-                  <a:srgbClr val="000000"/>
-                </a:solidFill>
-              </a:rPr>
-              <a:t>(opening_weekend_revenue/total_box_office)*100</a:t>
-            </a:r>
-            <a:endParaRPr sz="1200">
-              <a:solidFill>
-                <a:srgbClr val="000000"/>
-              </a:solidFill>
-            </a:endParaRPr>
-          </a:p>
-          <a:p>
-            <a:pPr marL="457200" lvl="0" indent="-342900" algn="l" rtl="0">
-              <a:spcBef>
-                <a:spcPts val="0"/>
-              </a:spcBef>
-              <a:spcAft>
-                <a:spcPts val="0"/>
-              </a:spcAft>
-              <a:buClr>
-                <a:srgbClr val="000000"/>
-              </a:buClr>
-              <a:buSzPts val="1800"/>
-              <a:buChar char="●"/>
-            </a:pPr>
-            <a:r>
-              <a:rPr lang="en">
+              <a:rPr lang="en" dirty="0">
                 <a:solidFill>
                   <a:srgbClr val="000000"/>
                 </a:solidFill>
               </a:rPr>
               <a:t>Applied k-NN to create the model</a:t>
             </a:r>
-            <a:endParaRPr>
+            <a:endParaRPr dirty="0">
               <a:solidFill>
                 <a:srgbClr val="000000"/>
               </a:solidFill>
@@ -8296,7 +8312,7 @@
               </a:spcAft>
               <a:buNone/>
             </a:pPr>
-            <a:endParaRPr>
+            <a:endParaRPr dirty="0">
               <a:solidFill>
                 <a:srgbClr val="000000"/>
               </a:solidFill>
@@ -8312,7 +8328,7 @@
               </a:spcAft>
               <a:buNone/>
             </a:pPr>
-            <a:endParaRPr>
+            <a:endParaRPr dirty="0">
               <a:solidFill>
                 <a:srgbClr val="000000"/>
               </a:solidFill>
